--- a/presentation.pptx
+++ b/presentation.pptx
@@ -8,7 +8,13 @@
     <p:sldId id="256" r:id="rId2"/>
     <p:sldId id="257" r:id="rId3"/>
     <p:sldId id="259" r:id="rId4"/>
-    <p:sldId id="258" r:id="rId5"/>
+    <p:sldId id="264" r:id="rId5"/>
+    <p:sldId id="260" r:id="rId6"/>
+    <p:sldId id="265" r:id="rId7"/>
+    <p:sldId id="266" r:id="rId8"/>
+    <p:sldId id="262" r:id="rId9"/>
+    <p:sldId id="267" r:id="rId10"/>
+    <p:sldId id="268" r:id="rId11"/>
   </p:sldIdLst>
   <p:sldSz cx="12192000" cy="6858000"/>
   <p:notesSz cx="6858000" cy="9144000"/>
@@ -107,6 +113,11 @@
       </a:defRPr>
     </a:lvl9pPr>
   </p:defaultTextStyle>
+  <p:extLst>
+    <p:ext uri="{EFAFB233-063F-42B5-8137-9DF3F51BA10A}">
+      <p15:sldGuideLst xmlns:p15="http://schemas.microsoft.com/office/powerpoint/2012/main"/>
+    </p:ext>
+  </p:extLst>
 </p:presentation>
 </file>
 
@@ -2457,7 +2468,7 @@
           <a:p>
             <a:fld id="{3C04E684-10F4-4CC3-A0B9-F03AA7BE37CF}" type="datetimeFigureOut">
               <a:rPr lang="en-US" smtClean="0"/>
-              <a:t>12/17/24</a:t>
+              <a:t>12/18/24</a:t>
             </a:fld>
             <a:endParaRPr lang="en-US"/>
           </a:p>
@@ -4947,7 +4958,7 @@
           <a:p>
             <a:fld id="{3C04E684-10F4-4CC3-A0B9-F03AA7BE37CF}" type="datetimeFigureOut">
               <a:rPr lang="en-US" smtClean="0"/>
-              <a:t>12/17/24</a:t>
+              <a:t>12/18/24</a:t>
             </a:fld>
             <a:endParaRPr lang="en-US"/>
           </a:p>
@@ -5145,7 +5156,7 @@
           <a:p>
             <a:fld id="{3C04E684-10F4-4CC3-A0B9-F03AA7BE37CF}" type="datetimeFigureOut">
               <a:rPr lang="en-US" smtClean="0"/>
-              <a:t>12/17/24</a:t>
+              <a:t>12/18/24</a:t>
             </a:fld>
             <a:endParaRPr lang="en-US"/>
           </a:p>
@@ -5353,7 +5364,7 @@
           <a:p>
             <a:fld id="{3C04E684-10F4-4CC3-A0B9-F03AA7BE37CF}" type="datetimeFigureOut">
               <a:rPr lang="en-US" smtClean="0"/>
-              <a:t>12/17/24</a:t>
+              <a:t>12/18/24</a:t>
             </a:fld>
             <a:endParaRPr lang="en-US"/>
           </a:p>
@@ -6090,7 +6101,7 @@
           <a:p>
             <a:fld id="{3C04E684-10F4-4CC3-A0B9-F03AA7BE37CF}" type="datetimeFigureOut">
               <a:rPr lang="en-US" smtClean="0"/>
-              <a:t>12/17/24</a:t>
+              <a:t>12/18/24</a:t>
             </a:fld>
             <a:endParaRPr lang="en-US"/>
           </a:p>
@@ -6732,7 +6743,7 @@
           <a:p>
             <a:fld id="{3C04E684-10F4-4CC3-A0B9-F03AA7BE37CF}" type="datetimeFigureOut">
               <a:rPr lang="en-US" smtClean="0"/>
-              <a:t>12/17/24</a:t>
+              <a:t>12/18/24</a:t>
             </a:fld>
             <a:endParaRPr lang="en-US"/>
           </a:p>
@@ -7532,7 +7543,7 @@
           <a:p>
             <a:fld id="{3C04E684-10F4-4CC3-A0B9-F03AA7BE37CF}" type="datetimeFigureOut">
               <a:rPr lang="en-US" smtClean="0"/>
-              <a:t>12/17/24</a:t>
+              <a:t>12/18/24</a:t>
             </a:fld>
             <a:endParaRPr lang="en-US"/>
           </a:p>
@@ -8483,7 +8494,7 @@
           <a:p>
             <a:fld id="{3C04E684-10F4-4CC3-A0B9-F03AA7BE37CF}" type="datetimeFigureOut">
               <a:rPr lang="en-US" smtClean="0"/>
-              <a:t>12/17/24</a:t>
+              <a:t>12/18/24</a:t>
             </a:fld>
             <a:endParaRPr lang="en-US"/>
           </a:p>
@@ -10832,7 +10843,7 @@
           <a:p>
             <a:fld id="{3C04E684-10F4-4CC3-A0B9-F03AA7BE37CF}" type="datetimeFigureOut">
               <a:rPr lang="en-US" smtClean="0"/>
-              <a:t>12/17/24</a:t>
+              <a:t>12/18/24</a:t>
             </a:fld>
             <a:endParaRPr lang="en-US"/>
           </a:p>
@@ -10945,7 +10956,7 @@
           <a:p>
             <a:fld id="{3C04E684-10F4-4CC3-A0B9-F03AA7BE37CF}" type="datetimeFigureOut">
               <a:rPr lang="en-US" smtClean="0"/>
-              <a:t>12/17/24</a:t>
+              <a:t>12/18/24</a:t>
             </a:fld>
             <a:endParaRPr lang="en-US"/>
           </a:p>
@@ -11452,7 +11463,7 @@
           <a:p>
             <a:fld id="{3C04E684-10F4-4CC3-A0B9-F03AA7BE37CF}" type="datetimeFigureOut">
               <a:rPr lang="en-US" smtClean="0"/>
-              <a:t>12/17/24</a:t>
+              <a:t>12/18/24</a:t>
             </a:fld>
             <a:endParaRPr lang="en-US"/>
           </a:p>
@@ -12755,7 +12766,7 @@
           <a:p>
             <a:fld id="{3C04E684-10F4-4CC3-A0B9-F03AA7BE37CF}" type="datetimeFigureOut">
               <a:rPr lang="en-US" smtClean="0"/>
-              <a:t>12/17/24</a:t>
+              <a:t>12/18/24</a:t>
             </a:fld>
             <a:endParaRPr lang="en-US"/>
           </a:p>
@@ -13002,7 +13013,7 @@
           <a:p>
             <a:fld id="{3C04E684-10F4-4CC3-A0B9-F03AA7BE37CF}" type="datetimeFigureOut">
               <a:rPr lang="en-US" smtClean="0"/>
-              <a:t>12/17/24</a:t>
+              <a:t>12/18/24</a:t>
             </a:fld>
             <a:endParaRPr lang="en-US"/>
           </a:p>
@@ -13559,7 +13570,7 @@
               </a:lnSpc>
             </a:pPr>
             <a:r>
-              <a:rPr lang="en-GB" sz="2000"/>
+              <a:rPr lang="en-GB" sz="2000" dirty="0"/>
               <a:t>Barthelemy Hugo</a:t>
             </a:r>
           </a:p>
@@ -13570,18 +13581,13 @@
               </a:lnSpc>
             </a:pPr>
             <a:r>
-              <a:rPr lang="en-GB" sz="2000" err="1"/>
+              <a:rPr lang="en-GB" sz="2000" dirty="0" err="1"/>
               <a:t>Capdouze</a:t>
             </a:r>
             <a:r>
-              <a:rPr lang="en-GB" sz="2000"/>
-              <a:t> </a:t>
+              <a:rPr lang="en-GB" sz="2000" dirty="0"/>
+              <a:t> Maxime</a:t>
             </a:r>
-            <a:r>
-              <a:rPr lang="en-GB" sz="2000" err="1"/>
-              <a:t>Maxile</a:t>
-            </a:r>
-            <a:endParaRPr lang="en-GB" sz="2000"/>
           </a:p>
         </p:txBody>
       </p:sp>
@@ -14082,6 +14088,131 @@
     <p:extLst>
       <p:ext uri="{BB962C8B-B14F-4D97-AF65-F5344CB8AC3E}">
         <p14:creationId xmlns:p14="http://schemas.microsoft.com/office/powerpoint/2010/main" val="2580083650"/>
+      </p:ext>
+    </p:extLst>
+  </p:cSld>
+  <p:clrMapOvr>
+    <a:masterClrMapping/>
+  </p:clrMapOvr>
+</p:sld>
+</file>
+
+<file path=ppt/slides/slide10.xml><?xml version="1.0" encoding="utf-8"?>
+<p:sld xmlns:a="http://schemas.openxmlformats.org/drawingml/2006/main" xmlns:r="http://schemas.openxmlformats.org/officeDocument/2006/relationships" xmlns:p="http://schemas.openxmlformats.org/presentationml/2006/main">
+  <p:cSld>
+    <p:spTree>
+      <p:nvGrpSpPr>
+        <p:cNvPr id="1" name="">
+          <a:extLst>
+            <a:ext uri="{FF2B5EF4-FFF2-40B4-BE49-F238E27FC236}">
+              <a16:creationId xmlns:a16="http://schemas.microsoft.com/office/drawing/2014/main" id="{D19CA72A-1F4A-A365-79C8-648C85133BD0}"/>
+            </a:ext>
+          </a:extLst>
+        </p:cNvPr>
+        <p:cNvGrpSpPr/>
+        <p:nvPr/>
+      </p:nvGrpSpPr>
+      <p:grpSpPr>
+        <a:xfrm>
+          <a:off x="0" y="0"/>
+          <a:ext cx="0" cy="0"/>
+          <a:chOff x="0" y="0"/>
+          <a:chExt cx="0" cy="0"/>
+        </a:xfrm>
+      </p:grpSpPr>
+      <p:sp>
+        <p:nvSpPr>
+          <p:cNvPr id="2" name="Titre 1">
+            <a:extLst>
+              <a:ext uri="{FF2B5EF4-FFF2-40B4-BE49-F238E27FC236}">
+                <a16:creationId xmlns:a16="http://schemas.microsoft.com/office/drawing/2014/main" id="{EEECE133-45DB-974F-7473-A87558EE7A1A}"/>
+              </a:ext>
+            </a:extLst>
+          </p:cNvPr>
+          <p:cNvSpPr>
+            <a:spLocks noGrp="1"/>
+          </p:cNvSpPr>
+          <p:nvPr>
+            <p:ph type="title"/>
+          </p:nvPr>
+        </p:nvSpPr>
+        <p:spPr>
+          <a:xfrm>
+            <a:off x="838200" y="365125"/>
+            <a:ext cx="10515600" cy="1626961"/>
+          </a:xfrm>
+        </p:spPr>
+        <p:txBody>
+          <a:bodyPr>
+            <a:normAutofit/>
+          </a:bodyPr>
+          <a:lstStyle/>
+          <a:p>
+            <a:pPr algn="ctr"/>
+            <a:r>
+              <a:rPr lang="en-GB" sz="4400" i="0" dirty="0">
+                <a:latin typeface="Arial Nova" panose="020B0504020202020204" pitchFamily="34" charset="0"/>
+              </a:rPr>
+              <a:t>Link to the project</a:t>
+            </a:r>
+          </a:p>
+        </p:txBody>
+      </p:sp>
+      <p:sp>
+        <p:nvSpPr>
+          <p:cNvPr id="4" name="Espace réservé du contenu 3">
+            <a:extLst>
+              <a:ext uri="{FF2B5EF4-FFF2-40B4-BE49-F238E27FC236}">
+                <a16:creationId xmlns:a16="http://schemas.microsoft.com/office/drawing/2014/main" id="{ADCBA076-D66A-6A41-D7D0-07129E6478F0}"/>
+              </a:ext>
+            </a:extLst>
+          </p:cNvPr>
+          <p:cNvSpPr>
+            <a:spLocks noGrp="1"/>
+          </p:cNvSpPr>
+          <p:nvPr>
+            <p:ph idx="1"/>
+          </p:nvPr>
+        </p:nvSpPr>
+        <p:spPr>
+          <a:xfrm>
+            <a:off x="838200" y="3094074"/>
+            <a:ext cx="10515600" cy="3078125"/>
+          </a:xfrm>
+        </p:spPr>
+        <p:txBody>
+          <a:bodyPr>
+            <a:normAutofit/>
+          </a:bodyPr>
+          <a:lstStyle/>
+          <a:p>
+            <a:pPr marL="0" indent="0" algn="ctr">
+              <a:buNone/>
+            </a:pPr>
+            <a:r>
+              <a:rPr lang="en-GB" sz="2400" dirty="0"/>
+              <a:t>https://</a:t>
+            </a:r>
+            <a:r>
+              <a:rPr lang="en-GB" sz="2400" dirty="0" err="1"/>
+              <a:t>github.com</a:t>
+            </a:r>
+            <a:r>
+              <a:rPr lang="en-GB" sz="2400" dirty="0"/>
+              <a:t>/maxcap12/</a:t>
+            </a:r>
+            <a:r>
+              <a:rPr lang="en-GB" sz="2400" dirty="0" err="1"/>
+              <a:t>hateful_meme_detection.git</a:t>
+            </a:r>
+            <a:endParaRPr lang="en-GB" sz="2400" dirty="0"/>
+          </a:p>
+        </p:txBody>
+      </p:sp>
+    </p:spTree>
+    <p:extLst>
+      <p:ext uri="{BB962C8B-B14F-4D97-AF65-F5344CB8AC3E}">
+        <p14:creationId xmlns:p14="http://schemas.microsoft.com/office/powerpoint/2010/main" val="1263931704"/>
       </p:ext>
     </p:extLst>
   </p:cSld>
@@ -14286,8 +14417,8 @@
         </p:nvSpPr>
         <p:spPr>
           <a:xfrm>
-            <a:off x="838200" y="2343150"/>
-            <a:ext cx="10515600" cy="3829049"/>
+            <a:off x="838200" y="2023672"/>
+            <a:ext cx="6477000" cy="4148527"/>
           </a:xfrm>
         </p:spPr>
         <p:txBody>
@@ -14300,7 +14431,7 @@
               <a:buNone/>
             </a:pPr>
             <a:r>
-              <a:rPr lang="en-GB" sz="3200" dirty="0"/>
+              <a:rPr lang="en-GB" sz="2400" dirty="0"/>
               <a:t>A meme and an image differ because a meme contains text. </a:t>
             </a:r>
           </a:p>
@@ -14309,22 +14440,80 @@
               <a:buNone/>
             </a:pPr>
             <a:r>
-              <a:rPr lang="en-GB" sz="3200" dirty="0"/>
+              <a:rPr lang="en-GB" sz="2400" dirty="0"/>
               <a:t>The text or the image can be non-hateful when isolated but become hateful when put together.</a:t>
             </a:r>
             <a:br>
-              <a:rPr lang="en-GB" sz="3200" dirty="0"/>
+              <a:rPr lang="en-GB" sz="2400" dirty="0"/>
             </a:br>
             <a:br>
-              <a:rPr lang="en-GB" sz="3200" dirty="0"/>
+              <a:rPr lang="en-GB" sz="2400" dirty="0"/>
             </a:br>
             <a:r>
-              <a:rPr lang="en-GB" sz="3200" dirty="0"/>
+              <a:rPr lang="en-GB" sz="2400" dirty="0"/>
               <a:t>For this reason, we cannot use a classic hateful image detection model</a:t>
             </a:r>
           </a:p>
         </p:txBody>
       </p:sp>
+      <p:pic>
+        <p:nvPicPr>
+          <p:cNvPr id="5" name="Image 4">
+            <a:extLst>
+              <a:ext uri="{FF2B5EF4-FFF2-40B4-BE49-F238E27FC236}">
+                <a16:creationId xmlns:a16="http://schemas.microsoft.com/office/drawing/2014/main" id="{4FDEFD0D-524D-DC7B-8CC8-D478AD5B94D4}"/>
+              </a:ext>
+            </a:extLst>
+          </p:cNvPr>
+          <p:cNvPicPr>
+            <a:picLocks noChangeAspect="1"/>
+          </p:cNvPicPr>
+          <p:nvPr/>
+        </p:nvPicPr>
+        <p:blipFill>
+          <a:blip r:embed="rId2"/>
+          <a:srcRect l="50000"/>
+          <a:stretch/>
+        </p:blipFill>
+        <p:spPr>
+          <a:xfrm>
+            <a:off x="7967251" y="3778155"/>
+            <a:ext cx="3251639" cy="2029977"/>
+          </a:xfrm>
+          <a:prstGeom prst="rect">
+            <a:avLst/>
+          </a:prstGeom>
+        </p:spPr>
+      </p:pic>
+      <p:pic>
+        <p:nvPicPr>
+          <p:cNvPr id="6" name="Image 5">
+            <a:extLst>
+              <a:ext uri="{FF2B5EF4-FFF2-40B4-BE49-F238E27FC236}">
+                <a16:creationId xmlns:a16="http://schemas.microsoft.com/office/drawing/2014/main" id="{1FBD4146-6A3E-A48A-FAB4-D1ED6200D822}"/>
+              </a:ext>
+            </a:extLst>
+          </p:cNvPr>
+          <p:cNvPicPr>
+            <a:picLocks noChangeAspect="1"/>
+          </p:cNvPicPr>
+          <p:nvPr/>
+        </p:nvPicPr>
+        <p:blipFill>
+          <a:blip r:embed="rId2"/>
+          <a:srcRect r="50000"/>
+          <a:stretch/>
+        </p:blipFill>
+        <p:spPr>
+          <a:xfrm>
+            <a:off x="7967251" y="1690688"/>
+            <a:ext cx="3251638" cy="2029977"/>
+          </a:xfrm>
+          <a:prstGeom prst="rect">
+            <a:avLst/>
+          </a:prstGeom>
+        </p:spPr>
+      </p:pic>
     </p:spTree>
     <p:extLst>
       <p:ext uri="{BB962C8B-B14F-4D97-AF65-F5344CB8AC3E}">
@@ -14343,7 +14532,13 @@
   <p:cSld>
     <p:spTree>
       <p:nvGrpSpPr>
-        <p:cNvPr id="1" name=""/>
+        <p:cNvPr id="1" name="">
+          <a:extLst>
+            <a:ext uri="{FF2B5EF4-FFF2-40B4-BE49-F238E27FC236}">
+              <a16:creationId xmlns:a16="http://schemas.microsoft.com/office/drawing/2014/main" id="{5393FFCB-BD03-3A3B-0031-7760E7AC6553}"/>
+            </a:ext>
+          </a:extLst>
+        </p:cNvPr>
         <p:cNvGrpSpPr/>
         <p:nvPr/>
       </p:nvGrpSpPr>
@@ -14360,7 +14555,7 @@
           <p:cNvPr id="2" name="Titre 1">
             <a:extLst>
               <a:ext uri="{FF2B5EF4-FFF2-40B4-BE49-F238E27FC236}">
-                <a16:creationId xmlns:a16="http://schemas.microsoft.com/office/drawing/2014/main" id="{5F6662E0-6CD8-BAB5-B23B-BAB7F0A0FB93}"/>
+                <a16:creationId xmlns:a16="http://schemas.microsoft.com/office/drawing/2014/main" id="{B60D3445-C46C-9F33-09E4-426F883D2A96}"/>
               </a:ext>
             </a:extLst>
           </p:cNvPr>
@@ -14373,10 +14568,17 @@
         </p:nvSpPr>
         <p:spPr/>
         <p:txBody>
-          <a:bodyPr/>
+          <a:bodyPr>
+            <a:normAutofit/>
+          </a:bodyPr>
           <a:lstStyle/>
           <a:p>
-            <a:endParaRPr lang="en-GB" dirty="0"/>
+            <a:r>
+              <a:rPr lang="en-GB" sz="4400" i="0" dirty="0">
+                <a:latin typeface="Arial Nova" panose="020B0504020202020204" pitchFamily="34" charset="0"/>
+              </a:rPr>
+              <a:t>Dataset</a:t>
+            </a:r>
           </a:p>
         </p:txBody>
       </p:sp>
@@ -14385,7 +14587,7 @@
           <p:cNvPr id="3" name="Espace réservé du contenu 2">
             <a:extLst>
               <a:ext uri="{FF2B5EF4-FFF2-40B4-BE49-F238E27FC236}">
-                <a16:creationId xmlns:a16="http://schemas.microsoft.com/office/drawing/2014/main" id="{E85D42C3-0859-2154-6484-4A1FED423269}"/>
+                <a16:creationId xmlns:a16="http://schemas.microsoft.com/office/drawing/2014/main" id="{C4D398C5-9EC7-7BD7-8B36-DD6C8DBC77AA}"/>
               </a:ext>
             </a:extLst>
           </p:cNvPr>
@@ -14396,7 +14598,515 @@
             <p:ph idx="1"/>
           </p:nvPr>
         </p:nvSpPr>
-        <p:spPr/>
+        <p:spPr>
+          <a:xfrm>
+            <a:off x="838200" y="2343150"/>
+            <a:ext cx="10515600" cy="3829049"/>
+          </a:xfrm>
+        </p:spPr>
+        <p:txBody>
+          <a:bodyPr>
+            <a:normAutofit/>
+          </a:bodyPr>
+          <a:lstStyle/>
+          <a:p>
+            <a:pPr marL="0" indent="0" algn="ctr">
+              <a:buNone/>
+            </a:pPr>
+            <a:r>
+              <a:rPr lang="en-GB" sz="3200" dirty="0"/>
+              <a:t>For this project, we used the hateful meme challenge dataset, from meta</a:t>
+            </a:r>
+          </a:p>
+          <a:p>
+            <a:pPr marL="0" indent="0" algn="ctr">
+              <a:buNone/>
+            </a:pPr>
+            <a:endParaRPr lang="en-GB" sz="3200" dirty="0"/>
+          </a:p>
+          <a:p>
+            <a:pPr marL="0" indent="0" algn="ctr">
+              <a:buNone/>
+            </a:pPr>
+            <a:r>
+              <a:rPr lang="en-GB" sz="3200" dirty="0"/>
+              <a:t>This model provides 10,000 memes and 3 JSON files (train, test, </a:t>
+            </a:r>
+            <a:r>
+              <a:rPr lang="en-GB" sz="3200" dirty="0" err="1"/>
+              <a:t>val</a:t>
+            </a:r>
+            <a:r>
+              <a:rPr lang="en-GB" sz="3200" dirty="0"/>
+              <a:t>) containing the text of each image</a:t>
+            </a:r>
+          </a:p>
+        </p:txBody>
+      </p:sp>
+    </p:spTree>
+    <p:extLst>
+      <p:ext uri="{BB962C8B-B14F-4D97-AF65-F5344CB8AC3E}">
+        <p14:creationId xmlns:p14="http://schemas.microsoft.com/office/powerpoint/2010/main" val="3189881229"/>
+      </p:ext>
+    </p:extLst>
+  </p:cSld>
+  <p:clrMapOvr>
+    <a:masterClrMapping/>
+  </p:clrMapOvr>
+</p:sld>
+</file>
+
+<file path=ppt/slides/slide5.xml><?xml version="1.0" encoding="utf-8"?>
+<p:sld xmlns:a="http://schemas.openxmlformats.org/drawingml/2006/main" xmlns:r="http://schemas.openxmlformats.org/officeDocument/2006/relationships" xmlns:p="http://schemas.openxmlformats.org/presentationml/2006/main">
+  <p:cSld>
+    <p:spTree>
+      <p:nvGrpSpPr>
+        <p:cNvPr id="1" name="">
+          <a:extLst>
+            <a:ext uri="{FF2B5EF4-FFF2-40B4-BE49-F238E27FC236}">
+              <a16:creationId xmlns:a16="http://schemas.microsoft.com/office/drawing/2014/main" id="{8E3F40AD-B90F-024A-CFD0-78F519552387}"/>
+            </a:ext>
+          </a:extLst>
+        </p:cNvPr>
+        <p:cNvGrpSpPr/>
+        <p:nvPr/>
+      </p:nvGrpSpPr>
+      <p:grpSpPr>
+        <a:xfrm>
+          <a:off x="0" y="0"/>
+          <a:ext cx="0" cy="0"/>
+          <a:chOff x="0" y="0"/>
+          <a:chExt cx="0" cy="0"/>
+        </a:xfrm>
+      </p:grpSpPr>
+      <p:sp>
+        <p:nvSpPr>
+          <p:cNvPr id="2" name="Titre 1">
+            <a:extLst>
+              <a:ext uri="{FF2B5EF4-FFF2-40B4-BE49-F238E27FC236}">
+                <a16:creationId xmlns:a16="http://schemas.microsoft.com/office/drawing/2014/main" id="{E656467A-6608-0FB6-F43B-2CF26269DAA1}"/>
+              </a:ext>
+            </a:extLst>
+          </p:cNvPr>
+          <p:cNvSpPr>
+            <a:spLocks noGrp="1"/>
+          </p:cNvSpPr>
+          <p:nvPr>
+            <p:ph type="title"/>
+          </p:nvPr>
+        </p:nvSpPr>
+        <p:spPr>
+          <a:xfrm>
+            <a:off x="838200" y="365125"/>
+            <a:ext cx="10515600" cy="1626961"/>
+          </a:xfrm>
+        </p:spPr>
+        <p:txBody>
+          <a:bodyPr>
+            <a:normAutofit/>
+          </a:bodyPr>
+          <a:lstStyle/>
+          <a:p>
+            <a:pPr algn="ctr"/>
+            <a:r>
+              <a:rPr lang="en-GB" i="0" dirty="0">
+                <a:latin typeface="Arial Nova" panose="020B0504020202020204" pitchFamily="34" charset="0"/>
+              </a:rPr>
+              <a:t>Method used: multimodal structure </a:t>
+            </a:r>
+            <a:br>
+              <a:rPr lang="en-GB" i="0" dirty="0">
+                <a:latin typeface="Arial Nova" panose="020B0504020202020204" pitchFamily="34" charset="0"/>
+              </a:rPr>
+            </a:br>
+            <a:r>
+              <a:rPr lang="en-GB" i="0" dirty="0">
+                <a:latin typeface="Arial Nova" panose="020B0504020202020204" pitchFamily="34" charset="0"/>
+              </a:rPr>
+              <a:t>using two encoders</a:t>
+            </a:r>
+          </a:p>
+        </p:txBody>
+      </p:sp>
+      <p:pic>
+        <p:nvPicPr>
+          <p:cNvPr id="5" name="Espace réservé du contenu 4" descr="Une image contenant texte, capture d’écran, diagramme, conception&#10;&#10;Description générée automatiquement">
+            <a:extLst>
+              <a:ext uri="{FF2B5EF4-FFF2-40B4-BE49-F238E27FC236}">
+                <a16:creationId xmlns:a16="http://schemas.microsoft.com/office/drawing/2014/main" id="{6D483FF8-805D-48FC-F58B-F9268CC25598}"/>
+              </a:ext>
+            </a:extLst>
+          </p:cNvPr>
+          <p:cNvPicPr>
+            <a:picLocks noGrp="1" noChangeAspect="1"/>
+          </p:cNvPicPr>
+          <p:nvPr>
+            <p:ph idx="1"/>
+          </p:nvPr>
+        </p:nvPicPr>
+        <p:blipFill>
+          <a:blip r:embed="rId2"/>
+          <a:stretch>
+            <a:fillRect/>
+          </a:stretch>
+        </p:blipFill>
+        <p:spPr>
+          <a:xfrm>
+            <a:off x="1918545" y="2150426"/>
+            <a:ext cx="8354910" cy="4249688"/>
+          </a:xfrm>
+        </p:spPr>
+      </p:pic>
+    </p:spTree>
+    <p:extLst>
+      <p:ext uri="{BB962C8B-B14F-4D97-AF65-F5344CB8AC3E}">
+        <p14:creationId xmlns:p14="http://schemas.microsoft.com/office/powerpoint/2010/main" val="4267417686"/>
+      </p:ext>
+    </p:extLst>
+  </p:cSld>
+  <p:clrMapOvr>
+    <a:masterClrMapping/>
+  </p:clrMapOvr>
+</p:sld>
+</file>
+
+<file path=ppt/slides/slide6.xml><?xml version="1.0" encoding="utf-8"?>
+<p:sld xmlns:a="http://schemas.openxmlformats.org/drawingml/2006/main" xmlns:r="http://schemas.openxmlformats.org/officeDocument/2006/relationships" xmlns:p="http://schemas.openxmlformats.org/presentationml/2006/main">
+  <p:cSld>
+    <p:spTree>
+      <p:nvGrpSpPr>
+        <p:cNvPr id="1" name="">
+          <a:extLst>
+            <a:ext uri="{FF2B5EF4-FFF2-40B4-BE49-F238E27FC236}">
+              <a16:creationId xmlns:a16="http://schemas.microsoft.com/office/drawing/2014/main" id="{90ACB6D1-C640-C827-4F96-EFF2D003B861}"/>
+            </a:ext>
+          </a:extLst>
+        </p:cNvPr>
+        <p:cNvGrpSpPr/>
+        <p:nvPr/>
+      </p:nvGrpSpPr>
+      <p:grpSpPr>
+        <a:xfrm>
+          <a:off x="0" y="0"/>
+          <a:ext cx="0" cy="0"/>
+          <a:chOff x="0" y="0"/>
+          <a:chExt cx="0" cy="0"/>
+        </a:xfrm>
+      </p:grpSpPr>
+      <p:sp>
+        <p:nvSpPr>
+          <p:cNvPr id="2" name="Titre 1">
+            <a:extLst>
+              <a:ext uri="{FF2B5EF4-FFF2-40B4-BE49-F238E27FC236}">
+                <a16:creationId xmlns:a16="http://schemas.microsoft.com/office/drawing/2014/main" id="{0B020921-A4ED-732D-5D74-81CE1EB49262}"/>
+              </a:ext>
+            </a:extLst>
+          </p:cNvPr>
+          <p:cNvSpPr>
+            <a:spLocks noGrp="1"/>
+          </p:cNvSpPr>
+          <p:nvPr>
+            <p:ph type="title"/>
+          </p:nvPr>
+        </p:nvSpPr>
+        <p:spPr>
+          <a:xfrm>
+            <a:off x="838200" y="365125"/>
+            <a:ext cx="10515600" cy="1626961"/>
+          </a:xfrm>
+        </p:spPr>
+        <p:txBody>
+          <a:bodyPr>
+            <a:normAutofit/>
+          </a:bodyPr>
+          <a:lstStyle/>
+          <a:p>
+            <a:pPr algn="ctr"/>
+            <a:r>
+              <a:rPr lang="en-GB" sz="4400" i="0" dirty="0">
+                <a:latin typeface="Arial Nova" panose="020B0504020202020204" pitchFamily="34" charset="0"/>
+              </a:rPr>
+              <a:t>Experiment: batch size</a:t>
+            </a:r>
+          </a:p>
+        </p:txBody>
+      </p:sp>
+      <p:sp>
+        <p:nvSpPr>
+          <p:cNvPr id="4" name="Espace réservé du contenu 3">
+            <a:extLst>
+              <a:ext uri="{FF2B5EF4-FFF2-40B4-BE49-F238E27FC236}">
+                <a16:creationId xmlns:a16="http://schemas.microsoft.com/office/drawing/2014/main" id="{BEF2B1BB-045B-D4CC-080E-7F6309BC3163}"/>
+              </a:ext>
+            </a:extLst>
+          </p:cNvPr>
+          <p:cNvSpPr>
+            <a:spLocks noGrp="1"/>
+          </p:cNvSpPr>
+          <p:nvPr>
+            <p:ph idx="1"/>
+          </p:nvPr>
+        </p:nvSpPr>
+        <p:spPr>
+          <a:xfrm>
+            <a:off x="838200" y="2851688"/>
+            <a:ext cx="10515600" cy="3320512"/>
+          </a:xfrm>
+        </p:spPr>
+        <p:txBody>
+          <a:bodyPr>
+            <a:normAutofit/>
+          </a:bodyPr>
+          <a:lstStyle/>
+          <a:p>
+            <a:pPr marL="0" indent="0">
+              <a:buNone/>
+            </a:pPr>
+            <a:r>
+              <a:rPr lang="en-GB" sz="3200" dirty="0"/>
+              <a:t>To train the model, we tried multiple values for the batch size to find the most optimal one (good accuracy and speed). We determined that the optimal value was 16.</a:t>
+            </a:r>
+          </a:p>
+        </p:txBody>
+      </p:sp>
+    </p:spTree>
+    <p:extLst>
+      <p:ext uri="{BB962C8B-B14F-4D97-AF65-F5344CB8AC3E}">
+        <p14:creationId xmlns:p14="http://schemas.microsoft.com/office/powerpoint/2010/main" val="1524366205"/>
+      </p:ext>
+    </p:extLst>
+  </p:cSld>
+  <p:clrMapOvr>
+    <a:masterClrMapping/>
+  </p:clrMapOvr>
+</p:sld>
+</file>
+
+<file path=ppt/slides/slide7.xml><?xml version="1.0" encoding="utf-8"?>
+<p:sld xmlns:a="http://schemas.openxmlformats.org/drawingml/2006/main" xmlns:r="http://schemas.openxmlformats.org/officeDocument/2006/relationships" xmlns:p="http://schemas.openxmlformats.org/presentationml/2006/main">
+  <p:cSld>
+    <p:spTree>
+      <p:nvGrpSpPr>
+        <p:cNvPr id="1" name="">
+          <a:extLst>
+            <a:ext uri="{FF2B5EF4-FFF2-40B4-BE49-F238E27FC236}">
+              <a16:creationId xmlns:a16="http://schemas.microsoft.com/office/drawing/2014/main" id="{799AA9B7-0DDD-F607-EE93-A2DCB8CBFE3C}"/>
+            </a:ext>
+          </a:extLst>
+        </p:cNvPr>
+        <p:cNvGrpSpPr/>
+        <p:nvPr/>
+      </p:nvGrpSpPr>
+      <p:grpSpPr>
+        <a:xfrm>
+          <a:off x="0" y="0"/>
+          <a:ext cx="0" cy="0"/>
+          <a:chOff x="0" y="0"/>
+          <a:chExt cx="0" cy="0"/>
+        </a:xfrm>
+      </p:grpSpPr>
+      <p:sp>
+        <p:nvSpPr>
+          <p:cNvPr id="2" name="Titre 1">
+            <a:extLst>
+              <a:ext uri="{FF2B5EF4-FFF2-40B4-BE49-F238E27FC236}">
+                <a16:creationId xmlns:a16="http://schemas.microsoft.com/office/drawing/2014/main" id="{5A6936ED-B2B9-F9BA-B9E3-C87899565631}"/>
+              </a:ext>
+            </a:extLst>
+          </p:cNvPr>
+          <p:cNvSpPr>
+            <a:spLocks noGrp="1"/>
+          </p:cNvSpPr>
+          <p:nvPr>
+            <p:ph type="title"/>
+          </p:nvPr>
+        </p:nvSpPr>
+        <p:spPr>
+          <a:xfrm>
+            <a:off x="838200" y="365125"/>
+            <a:ext cx="10515600" cy="1626961"/>
+          </a:xfrm>
+        </p:spPr>
+        <p:txBody>
+          <a:bodyPr>
+            <a:normAutofit/>
+          </a:bodyPr>
+          <a:lstStyle/>
+          <a:p>
+            <a:pPr algn="ctr"/>
+            <a:r>
+              <a:rPr lang="en-GB" sz="4400" i="0" dirty="0">
+                <a:latin typeface="Arial Nova" panose="020B0504020202020204" pitchFamily="34" charset="0"/>
+              </a:rPr>
+              <a:t>Experiment: warm-up code</a:t>
+            </a:r>
+          </a:p>
+        </p:txBody>
+      </p:sp>
+      <p:sp>
+        <p:nvSpPr>
+          <p:cNvPr id="4" name="Espace réservé du contenu 3">
+            <a:extLst>
+              <a:ext uri="{FF2B5EF4-FFF2-40B4-BE49-F238E27FC236}">
+                <a16:creationId xmlns:a16="http://schemas.microsoft.com/office/drawing/2014/main" id="{30A21C8F-F2E3-8BE0-ADBF-FB8AE82A1280}"/>
+              </a:ext>
+            </a:extLst>
+          </p:cNvPr>
+          <p:cNvSpPr>
+            <a:spLocks noGrp="1"/>
+          </p:cNvSpPr>
+          <p:nvPr>
+            <p:ph idx="1"/>
+          </p:nvPr>
+        </p:nvSpPr>
+        <p:spPr>
+          <a:xfrm>
+            <a:off x="838200" y="2200759"/>
+            <a:ext cx="10515600" cy="3971441"/>
+          </a:xfrm>
+        </p:spPr>
+        <p:txBody>
+          <a:bodyPr>
+            <a:normAutofit/>
+          </a:bodyPr>
+          <a:lstStyle/>
+          <a:p>
+            <a:pPr marL="0" indent="0">
+              <a:buNone/>
+            </a:pPr>
+            <a:r>
+              <a:rPr lang="en-GB" sz="3200" dirty="0"/>
+              <a:t>We also used a little warm-up code, which is run before training the model to improve the performances of the GPU (between 5 and 10%)</a:t>
+            </a:r>
+          </a:p>
+        </p:txBody>
+      </p:sp>
+      <p:pic>
+        <p:nvPicPr>
+          <p:cNvPr id="5" name="Image 4">
+            <a:extLst>
+              <a:ext uri="{FF2B5EF4-FFF2-40B4-BE49-F238E27FC236}">
+                <a16:creationId xmlns:a16="http://schemas.microsoft.com/office/drawing/2014/main" id="{7CD49DDF-3B4A-792E-62EE-EC08A125C8DB}"/>
+              </a:ext>
+            </a:extLst>
+          </p:cNvPr>
+          <p:cNvPicPr>
+            <a:picLocks noChangeAspect="1"/>
+          </p:cNvPicPr>
+          <p:nvPr/>
+        </p:nvPicPr>
+        <p:blipFill>
+          <a:blip r:embed="rId2"/>
+          <a:stretch>
+            <a:fillRect/>
+          </a:stretch>
+        </p:blipFill>
+        <p:spPr>
+          <a:xfrm>
+            <a:off x="838200" y="4341461"/>
+            <a:ext cx="9760955" cy="586999"/>
+          </a:xfrm>
+          <a:prstGeom prst="rect">
+            <a:avLst/>
+          </a:prstGeom>
+        </p:spPr>
+      </p:pic>
+    </p:spTree>
+    <p:extLst>
+      <p:ext uri="{BB962C8B-B14F-4D97-AF65-F5344CB8AC3E}">
+        <p14:creationId xmlns:p14="http://schemas.microsoft.com/office/powerpoint/2010/main" val="1461375490"/>
+      </p:ext>
+    </p:extLst>
+  </p:cSld>
+  <p:clrMapOvr>
+    <a:masterClrMapping/>
+  </p:clrMapOvr>
+</p:sld>
+</file>
+
+<file path=ppt/slides/slide8.xml><?xml version="1.0" encoding="utf-8"?>
+<p:sld xmlns:a="http://schemas.openxmlformats.org/drawingml/2006/main" xmlns:r="http://schemas.openxmlformats.org/officeDocument/2006/relationships" xmlns:p="http://schemas.openxmlformats.org/presentationml/2006/main">
+  <p:cSld>
+    <p:spTree>
+      <p:nvGrpSpPr>
+        <p:cNvPr id="1" name="">
+          <a:extLst>
+            <a:ext uri="{FF2B5EF4-FFF2-40B4-BE49-F238E27FC236}">
+              <a16:creationId xmlns:a16="http://schemas.microsoft.com/office/drawing/2014/main" id="{FC7711F6-3554-8006-8980-2043F9E6ABC1}"/>
+            </a:ext>
+          </a:extLst>
+        </p:cNvPr>
+        <p:cNvGrpSpPr/>
+        <p:nvPr/>
+      </p:nvGrpSpPr>
+      <p:grpSpPr>
+        <a:xfrm>
+          <a:off x="0" y="0"/>
+          <a:ext cx="0" cy="0"/>
+          <a:chOff x="0" y="0"/>
+          <a:chExt cx="0" cy="0"/>
+        </a:xfrm>
+      </p:grpSpPr>
+      <p:sp>
+        <p:nvSpPr>
+          <p:cNvPr id="2" name="Titre 1">
+            <a:extLst>
+              <a:ext uri="{FF2B5EF4-FFF2-40B4-BE49-F238E27FC236}">
+                <a16:creationId xmlns:a16="http://schemas.microsoft.com/office/drawing/2014/main" id="{89E6E247-F386-43FF-1DA8-7A1326A7E109}"/>
+              </a:ext>
+            </a:extLst>
+          </p:cNvPr>
+          <p:cNvSpPr>
+            <a:spLocks noGrp="1"/>
+          </p:cNvSpPr>
+          <p:nvPr>
+            <p:ph type="title"/>
+          </p:nvPr>
+        </p:nvSpPr>
+        <p:spPr>
+          <a:xfrm>
+            <a:off x="838200" y="365125"/>
+            <a:ext cx="10515600" cy="1626961"/>
+          </a:xfrm>
+        </p:spPr>
+        <p:txBody>
+          <a:bodyPr>
+            <a:normAutofit/>
+          </a:bodyPr>
+          <a:lstStyle/>
+          <a:p>
+            <a:pPr algn="ctr"/>
+            <a:r>
+              <a:rPr lang="en-GB" i="0" dirty="0">
+                <a:latin typeface="Arial Nova" panose="020B0504020202020204" pitchFamily="34" charset="0"/>
+              </a:rPr>
+              <a:t>Evaluation</a:t>
+            </a:r>
+          </a:p>
+        </p:txBody>
+      </p:sp>
+      <p:sp>
+        <p:nvSpPr>
+          <p:cNvPr id="4" name="Espace réservé du contenu 3">
+            <a:extLst>
+              <a:ext uri="{FF2B5EF4-FFF2-40B4-BE49-F238E27FC236}">
+                <a16:creationId xmlns:a16="http://schemas.microsoft.com/office/drawing/2014/main" id="{3B0D8ECA-320D-99F1-941F-6387ADEA63C8}"/>
+              </a:ext>
+            </a:extLst>
+          </p:cNvPr>
+          <p:cNvSpPr>
+            <a:spLocks noGrp="1"/>
+          </p:cNvSpPr>
+          <p:nvPr>
+            <p:ph idx="1"/>
+          </p:nvPr>
+        </p:nvSpPr>
+        <p:spPr>
+          <a:xfrm>
+            <a:off x="838200" y="2154264"/>
+            <a:ext cx="10515600" cy="4017936"/>
+          </a:xfrm>
+        </p:spPr>
         <p:txBody>
           <a:bodyPr/>
           <a:lstStyle/>
@@ -14406,20 +15116,144 @@
             </a:pPr>
             <a:r>
               <a:rPr lang="en-GB" dirty="0"/>
-              <a:t> </a:t>
+              <a:t>After running 10 epochs, containing 8500 images each, the model got an accuracy of up to 60%, using 500 images for validation.</a:t>
             </a:r>
+            <a:br>
+              <a:rPr lang="en-GB" dirty="0"/>
+            </a:br>
+            <a:br>
+              <a:rPr lang="en-GB" dirty="0"/>
+            </a:br>
             <a:r>
-              <a:rPr lang="en-GB" dirty="0" err="1"/>
-              <a:t>fezf</a:t>
+              <a:rPr lang="en-GB" dirty="0"/>
+              <a:t>It took about 2 hours to train</a:t>
             </a:r>
-            <a:endParaRPr lang="en-GB" dirty="0"/>
           </a:p>
         </p:txBody>
       </p:sp>
     </p:spTree>
     <p:extLst>
       <p:ext uri="{BB962C8B-B14F-4D97-AF65-F5344CB8AC3E}">
-        <p14:creationId xmlns:p14="http://schemas.microsoft.com/office/powerpoint/2010/main" val="316993071"/>
+        <p14:creationId xmlns:p14="http://schemas.microsoft.com/office/powerpoint/2010/main" val="2755686125"/>
+      </p:ext>
+    </p:extLst>
+  </p:cSld>
+  <p:clrMapOvr>
+    <a:masterClrMapping/>
+  </p:clrMapOvr>
+</p:sld>
+</file>
+
+<file path=ppt/slides/slide9.xml><?xml version="1.0" encoding="utf-8"?>
+<p:sld xmlns:a="http://schemas.openxmlformats.org/drawingml/2006/main" xmlns:r="http://schemas.openxmlformats.org/officeDocument/2006/relationships" xmlns:p="http://schemas.openxmlformats.org/presentationml/2006/main">
+  <p:cSld>
+    <p:spTree>
+      <p:nvGrpSpPr>
+        <p:cNvPr id="1" name="">
+          <a:extLst>
+            <a:ext uri="{FF2B5EF4-FFF2-40B4-BE49-F238E27FC236}">
+              <a16:creationId xmlns:a16="http://schemas.microsoft.com/office/drawing/2014/main" id="{6AE2A41C-F040-EFAD-8C56-9537C0AEA727}"/>
+            </a:ext>
+          </a:extLst>
+        </p:cNvPr>
+        <p:cNvGrpSpPr/>
+        <p:nvPr/>
+      </p:nvGrpSpPr>
+      <p:grpSpPr>
+        <a:xfrm>
+          <a:off x="0" y="0"/>
+          <a:ext cx="0" cy="0"/>
+          <a:chOff x="0" y="0"/>
+          <a:chExt cx="0" cy="0"/>
+        </a:xfrm>
+      </p:grpSpPr>
+      <p:sp>
+        <p:nvSpPr>
+          <p:cNvPr id="2" name="Titre 1">
+            <a:extLst>
+              <a:ext uri="{FF2B5EF4-FFF2-40B4-BE49-F238E27FC236}">
+                <a16:creationId xmlns:a16="http://schemas.microsoft.com/office/drawing/2014/main" id="{97D65F79-578B-F4F2-8C15-79F7219D457E}"/>
+              </a:ext>
+            </a:extLst>
+          </p:cNvPr>
+          <p:cNvSpPr>
+            <a:spLocks noGrp="1"/>
+          </p:cNvSpPr>
+          <p:nvPr>
+            <p:ph type="title"/>
+          </p:nvPr>
+        </p:nvSpPr>
+        <p:spPr>
+          <a:xfrm>
+            <a:off x="838200" y="365125"/>
+            <a:ext cx="10515600" cy="1626961"/>
+          </a:xfrm>
+        </p:spPr>
+        <p:txBody>
+          <a:bodyPr>
+            <a:normAutofit/>
+          </a:bodyPr>
+          <a:lstStyle/>
+          <a:p>
+            <a:pPr algn="ctr"/>
+            <a:r>
+              <a:rPr lang="en-GB" sz="4400" i="0" dirty="0">
+                <a:latin typeface="Arial Nova" panose="020B0504020202020204" pitchFamily="34" charset="0"/>
+              </a:rPr>
+              <a:t>Challenges</a:t>
+            </a:r>
+          </a:p>
+        </p:txBody>
+      </p:sp>
+      <p:sp>
+        <p:nvSpPr>
+          <p:cNvPr id="4" name="Espace réservé du contenu 3">
+            <a:extLst>
+              <a:ext uri="{FF2B5EF4-FFF2-40B4-BE49-F238E27FC236}">
+                <a16:creationId xmlns:a16="http://schemas.microsoft.com/office/drawing/2014/main" id="{0CA5E3D6-96EE-4843-5DCC-622158D2D10E}"/>
+              </a:ext>
+            </a:extLst>
+          </p:cNvPr>
+          <p:cNvSpPr>
+            <a:spLocks noGrp="1"/>
+          </p:cNvSpPr>
+          <p:nvPr>
+            <p:ph idx="1"/>
+          </p:nvPr>
+        </p:nvSpPr>
+        <p:spPr>
+          <a:xfrm>
+            <a:off x="838200" y="2479728"/>
+            <a:ext cx="10515600" cy="3692471"/>
+          </a:xfrm>
+        </p:spPr>
+        <p:txBody>
+          <a:bodyPr/>
+          <a:lstStyle/>
+          <a:p>
+            <a:r>
+              <a:rPr lang="en-GB" dirty="0"/>
+              <a:t>Understand how to combine image and text</a:t>
+            </a:r>
+          </a:p>
+          <a:p>
+            <a:r>
+              <a:rPr lang="en-GB" dirty="0"/>
+              <a:t>Meme ambiguity</a:t>
+            </a:r>
+          </a:p>
+          <a:p>
+            <a:r>
+              <a:rPr lang="en-GB" dirty="0"/>
+              <a:t>Optimization </a:t>
+            </a:r>
+          </a:p>
+        </p:txBody>
+      </p:sp>
+    </p:spTree>
+    <p:extLst>
+      <p:ext uri="{BB962C8B-B14F-4D97-AF65-F5344CB8AC3E}">
+        <p14:creationId xmlns:p14="http://schemas.microsoft.com/office/powerpoint/2010/main" val="2595769796"/>
       </p:ext>
     </p:extLst>
   </p:cSld>
